--- a/2021-mvc/MVC.pptx
+++ b/2021-mvc/MVC.pptx
@@ -3540,7 +3540,7 @@
             </a:r>
             <a:r>
               <a:rPr lang="zh-CN" altLang="en-US"/>
-              <a:t>年代</a:t>
+              <a:t>年代单机</a:t>
             </a:r>
             <a:r>
               <a:rPr lang="en-US" altLang="zh-CN"/>
@@ -3804,7 +3804,19 @@
               <a:rPr lang="zh-CN" altLang="en-US">
                 <a:sym typeface="+mn-ea"/>
               </a:rPr>
-              <a:t>结构与原始</a:t>
+              <a:t>结构与</a:t>
+            </a:r>
+            <a:r>
+              <a:rPr lang="en-US" altLang="zh-CN">
+                <a:sym typeface="+mn-ea"/>
+              </a:rPr>
+              <a:t>70</a:t>
+            </a:r>
+            <a:r>
+              <a:rPr lang="zh-CN" altLang="en-US">
+                <a:sym typeface="+mn-ea"/>
+              </a:rPr>
+              <a:t>年代</a:t>
             </a:r>
             <a:r>
               <a:rPr lang="en-US" altLang="zh-CN">
@@ -4209,6 +4221,29 @@
                 <a:sym typeface="+mn-ea"/>
               </a:rPr>
               <a:t>就像事件监听函数。</a:t>
+            </a:r>
+            <a:endParaRPr lang="zh-CN" altLang="en-US">
+              <a:sym typeface="+mn-ea"/>
+            </a:endParaRPr>
+          </a:p>
+          <a:p>
+            <a:r>
+              <a:rPr lang="en-US" altLang="zh-CN">
+                <a:sym typeface="+mn-ea"/>
+              </a:rPr>
+              <a:t>MVVM</a:t>
+            </a:r>
+            <a:r>
+              <a:rPr lang="zh-CN" altLang="en-US">
+                <a:sym typeface="+mn-ea"/>
+              </a:rPr>
+              <a:t>与微软渊源</a:t>
+            </a:r>
+            <a:r>
+              <a:rPr lang="zh-CN" altLang="en-US">
+                <a:sym typeface="+mn-ea"/>
+              </a:rPr>
+              <a:t>极大。</a:t>
             </a:r>
             <a:endParaRPr lang="zh-CN" altLang="en-US">
               <a:sym typeface="+mn-ea"/>
